--- a/DS Application/Lecture/Computer Vision/Neural Networks.pptx
+++ b/DS Application/Lecture/Computer Vision/Neural Networks.pptx
@@ -5,55 +5,166 @@
     <p:sldMasterId id="2147483648" r:id="rId1"/>
   </p:sldMasterIdLst>
   <p:sldIdLst>
-    <p:sldId id="256" r:id="rId6"/>
-    <p:sldId id="257" r:id="rId7"/>
-    <p:sldId id="258" r:id="rId8"/>
-    <p:sldId id="259" r:id="rId9"/>
-    <p:sldId id="260" r:id="rId10"/>
-    <p:sldId id="261" r:id="rId11"/>
-    <p:sldId id="262" r:id="rId12"/>
-    <p:sldId id="263" r:id="rId13"/>
-    <p:sldId id="264" r:id="rId14"/>
-    <p:sldId id="265" r:id="rId15"/>
-    <p:sldId id="266" r:id="rId16"/>
-    <p:sldId id="267" r:id="rId17"/>
-    <p:sldId id="268" r:id="rId18"/>
-    <p:sldId id="269" r:id="rId19"/>
-    <p:sldId id="270" r:id="rId20"/>
-    <p:sldId id="271" r:id="rId21"/>
-    <p:sldId id="272" r:id="rId22"/>
-    <p:sldId id="273" r:id="rId23"/>
-    <p:sldId id="274" r:id="rId24"/>
-    <p:sldId id="275" r:id="rId25"/>
-    <p:sldId id="276" r:id="rId26"/>
-    <p:sldId id="277" r:id="rId27"/>
-    <p:sldId id="278" r:id="rId28"/>
-    <p:sldId id="279" r:id="rId29"/>
-    <p:sldId id="280" r:id="rId30"/>
-    <p:sldId id="281" r:id="rId31"/>
-    <p:sldId id="282" r:id="rId32"/>
-    <p:sldId id="283" r:id="rId33"/>
-    <p:sldId id="284" r:id="rId34"/>
-    <p:sldId id="285" r:id="rId35"/>
-    <p:sldId id="286" r:id="rId36"/>
-    <p:sldId id="287" r:id="rId37"/>
-    <p:sldId id="288" r:id="rId38"/>
-    <p:sldId id="289" r:id="rId39"/>
-    <p:sldId id="290" r:id="rId40"/>
-    <p:sldId id="291" r:id="rId41"/>
-    <p:sldId id="292" r:id="rId42"/>
-    <p:sldId id="293" r:id="rId43"/>
-    <p:sldId id="294" r:id="rId44"/>
-    <p:sldId id="295" r:id="rId45"/>
-    <p:sldId id="296" r:id="rId46"/>
+    <p:sldId id="256" r:id="rId2"/>
+    <p:sldId id="257" r:id="rId3"/>
+    <p:sldId id="258" r:id="rId4"/>
+    <p:sldId id="259" r:id="rId5"/>
+    <p:sldId id="260" r:id="rId6"/>
+    <p:sldId id="261" r:id="rId7"/>
+    <p:sldId id="262" r:id="rId8"/>
+    <p:sldId id="263" r:id="rId9"/>
+    <p:sldId id="264" r:id="rId10"/>
+    <p:sldId id="265" r:id="rId11"/>
+    <p:sldId id="266" r:id="rId12"/>
+    <p:sldId id="267" r:id="rId13"/>
+    <p:sldId id="268" r:id="rId14"/>
+    <p:sldId id="269" r:id="rId15"/>
+    <p:sldId id="270" r:id="rId16"/>
+    <p:sldId id="271" r:id="rId17"/>
+    <p:sldId id="272" r:id="rId18"/>
+    <p:sldId id="273" r:id="rId19"/>
+    <p:sldId id="274" r:id="rId20"/>
+    <p:sldId id="275" r:id="rId21"/>
+    <p:sldId id="276" r:id="rId22"/>
+    <p:sldId id="277" r:id="rId23"/>
+    <p:sldId id="278" r:id="rId24"/>
+    <p:sldId id="279" r:id="rId25"/>
+    <p:sldId id="280" r:id="rId26"/>
+    <p:sldId id="281" r:id="rId27"/>
+    <p:sldId id="282" r:id="rId28"/>
+    <p:sldId id="283" r:id="rId29"/>
+    <p:sldId id="284" r:id="rId30"/>
+    <p:sldId id="285" r:id="rId31"/>
+    <p:sldId id="286" r:id="rId32"/>
+    <p:sldId id="287" r:id="rId33"/>
+    <p:sldId id="288" r:id="rId34"/>
+    <p:sldId id="289" r:id="rId35"/>
+    <p:sldId id="290" r:id="rId36"/>
+    <p:sldId id="291" r:id="rId37"/>
+    <p:sldId id="292" r:id="rId38"/>
+    <p:sldId id="293" r:id="rId39"/>
+    <p:sldId id="294" r:id="rId40"/>
+    <p:sldId id="295" r:id="rId41"/>
+    <p:sldId id="296" r:id="rId42"/>
   </p:sldIdLst>
   <p:sldSz cx="12192000" cy="6858000"/>
   <p:notesSz cx="12192000" cy="6858000"/>
+  <p:defaultTextStyle>
+    <a:defPPr>
+      <a:defRPr lang="en-US"/>
+    </a:defPPr>
+    <a:lvl1pPr marL="0" algn="l" defTabSz="914400" rtl="0" eaLnBrk="1" latinLnBrk="0" hangingPunct="1">
+      <a:defRPr sz="1800" kern="1200">
+        <a:solidFill>
+          <a:schemeClr val="tx1"/>
+        </a:solidFill>
+        <a:latin typeface="+mn-lt"/>
+        <a:ea typeface="+mn-ea"/>
+        <a:cs typeface="+mn-cs"/>
+      </a:defRPr>
+    </a:lvl1pPr>
+    <a:lvl2pPr marL="457200" algn="l" defTabSz="914400" rtl="0" eaLnBrk="1" latinLnBrk="0" hangingPunct="1">
+      <a:defRPr sz="1800" kern="1200">
+        <a:solidFill>
+          <a:schemeClr val="tx1"/>
+        </a:solidFill>
+        <a:latin typeface="+mn-lt"/>
+        <a:ea typeface="+mn-ea"/>
+        <a:cs typeface="+mn-cs"/>
+      </a:defRPr>
+    </a:lvl2pPr>
+    <a:lvl3pPr marL="914400" algn="l" defTabSz="914400" rtl="0" eaLnBrk="1" latinLnBrk="0" hangingPunct="1">
+      <a:defRPr sz="1800" kern="1200">
+        <a:solidFill>
+          <a:schemeClr val="tx1"/>
+        </a:solidFill>
+        <a:latin typeface="+mn-lt"/>
+        <a:ea typeface="+mn-ea"/>
+        <a:cs typeface="+mn-cs"/>
+      </a:defRPr>
+    </a:lvl3pPr>
+    <a:lvl4pPr marL="1371600" algn="l" defTabSz="914400" rtl="0" eaLnBrk="1" latinLnBrk="0" hangingPunct="1">
+      <a:defRPr sz="1800" kern="1200">
+        <a:solidFill>
+          <a:schemeClr val="tx1"/>
+        </a:solidFill>
+        <a:latin typeface="+mn-lt"/>
+        <a:ea typeface="+mn-ea"/>
+        <a:cs typeface="+mn-cs"/>
+      </a:defRPr>
+    </a:lvl4pPr>
+    <a:lvl5pPr marL="1828800" algn="l" defTabSz="914400" rtl="0" eaLnBrk="1" latinLnBrk="0" hangingPunct="1">
+      <a:defRPr sz="1800" kern="1200">
+        <a:solidFill>
+          <a:schemeClr val="tx1"/>
+        </a:solidFill>
+        <a:latin typeface="+mn-lt"/>
+        <a:ea typeface="+mn-ea"/>
+        <a:cs typeface="+mn-cs"/>
+      </a:defRPr>
+    </a:lvl5pPr>
+    <a:lvl6pPr marL="2286000" algn="l" defTabSz="914400" rtl="0" eaLnBrk="1" latinLnBrk="0" hangingPunct="1">
+      <a:defRPr sz="1800" kern="1200">
+        <a:solidFill>
+          <a:schemeClr val="tx1"/>
+        </a:solidFill>
+        <a:latin typeface="+mn-lt"/>
+        <a:ea typeface="+mn-ea"/>
+        <a:cs typeface="+mn-cs"/>
+      </a:defRPr>
+    </a:lvl6pPr>
+    <a:lvl7pPr marL="2743200" algn="l" defTabSz="914400" rtl="0" eaLnBrk="1" latinLnBrk="0" hangingPunct="1">
+      <a:defRPr sz="1800" kern="1200">
+        <a:solidFill>
+          <a:schemeClr val="tx1"/>
+        </a:solidFill>
+        <a:latin typeface="+mn-lt"/>
+        <a:ea typeface="+mn-ea"/>
+        <a:cs typeface="+mn-cs"/>
+      </a:defRPr>
+    </a:lvl7pPr>
+    <a:lvl8pPr marL="3200400" algn="l" defTabSz="914400" rtl="0" eaLnBrk="1" latinLnBrk="0" hangingPunct="1">
+      <a:defRPr sz="1800" kern="1200">
+        <a:solidFill>
+          <a:schemeClr val="tx1"/>
+        </a:solidFill>
+        <a:latin typeface="+mn-lt"/>
+        <a:ea typeface="+mn-ea"/>
+        <a:cs typeface="+mn-cs"/>
+      </a:defRPr>
+    </a:lvl8pPr>
+    <a:lvl9pPr marL="3657600" algn="l" defTabSz="914400" rtl="0" eaLnBrk="1" latinLnBrk="0" hangingPunct="1">
+      <a:defRPr sz="1800" kern="1200">
+        <a:solidFill>
+          <a:schemeClr val="tx1"/>
+        </a:solidFill>
+        <a:latin typeface="+mn-lt"/>
+        <a:ea typeface="+mn-ea"/>
+        <a:cs typeface="+mn-cs"/>
+      </a:defRPr>
+    </a:lvl9pPr>
+  </p:defaultTextStyle>
+  <p:extLst>
+    <p:ext uri="{EFAFB233-063F-42B5-8137-9DF3F51BA10A}">
+      <p15:sldGuideLst xmlns:p15="http://schemas.microsoft.com/office/powerpoint/2012/main">
+        <p15:guide id="1" orient="horz" pos="2880">
+          <p15:clr>
+            <a:srgbClr val="A4A3A4"/>
+          </p15:clr>
+        </p15:guide>
+        <p15:guide id="2" pos="2160">
+          <p15:clr>
+            <a:srgbClr val="A4A3A4"/>
+          </p15:clr>
+        </p15:guide>
+      </p15:sldGuideLst>
+    </p:ext>
+  </p:extLst>
 </p:presentation>
 </file>
 
 <file path=ppt/slideLayouts/slideLayout1.xml><?xml version="1.0" encoding="utf-8"?>
-<p:sldLayout xmlns:a="http://schemas.openxmlformats.org/drawingml/2006/main" xmlns:r="http://schemas.openxmlformats.org/officeDocument/2006/relationships" xmlns:p="http://schemas.openxmlformats.org/presentationml/2006/main" preserve="1" type="obj">
+<p:sldLayout xmlns:a="http://schemas.openxmlformats.org/drawingml/2006/main" xmlns:r="http://schemas.openxmlformats.org/officeDocument/2006/relationships" xmlns:p="http://schemas.openxmlformats.org/presentationml/2006/main" type="obj" preserve="1">
   <p:cSld name="Title Slide">
     <p:spTree>
       <p:nvGrpSpPr>
@@ -97,7 +208,9 @@
               <a:defRPr/>
             </a:lvl1pPr>
           </a:lstStyle>
-          <a:p/>
+          <a:p>
+            <a:endParaRPr/>
+          </a:p>
         </p:txBody>
       </p:sp>
       <p:sp>
@@ -128,7 +241,9 @@
               <a:defRPr/>
             </a:lvl1pPr>
           </a:lstStyle>
-          <a:p/>
+          <a:p>
+            <a:endParaRPr/>
+          </a:p>
         </p:txBody>
       </p:sp>
       <p:sp>
@@ -138,7 +253,7 @@
             <a:spLocks noGrp="1"/>
           </p:cNvSpPr>
           <p:nvPr>
-            <p:ph type="ftr" idx="5" sz="quarter"/>
+            <p:ph type="ftr" sz="quarter" idx="5"/>
           </p:nvPr>
         </p:nvSpPr>
         <p:spPr/>
@@ -155,7 +270,9 @@
               </a:defRPr>
             </a:lvl1pPr>
           </a:lstStyle>
-          <a:p/>
+          <a:p>
+            <a:endParaRPr/>
+          </a:p>
         </p:txBody>
       </p:sp>
       <p:sp>
@@ -165,7 +282,7 @@
             <a:spLocks noGrp="1"/>
           </p:cNvSpPr>
           <p:nvPr>
-            <p:ph type="dt" idx="6" sz="half"/>
+            <p:ph type="dt" sz="half" idx="6"/>
           </p:nvPr>
         </p:nvSpPr>
         <p:spPr/>
@@ -185,7 +302,9 @@
           <a:p>
             <a:fld id="{1D8BD707-D9CF-40AE-B4C6-C98DA3205C09}" type="datetimeFigureOut">
               <a:rPr lang="en-US"/>
+              <a:t>5/15/2024</a:t>
             </a:fld>
+            <a:endParaRPr lang="en-US"/>
           </a:p>
         </p:txBody>
       </p:sp>
@@ -196,7 +315,7 @@
             <a:spLocks noGrp="1"/>
           </p:cNvSpPr>
           <p:nvPr>
-            <p:ph type="sldNum" idx="7" sz="quarter"/>
+            <p:ph type="sldNum" sz="quarter" idx="7"/>
           </p:nvPr>
         </p:nvSpPr>
         <p:spPr/>
@@ -215,8 +334,9 @@
           </a:lstStyle>
           <a:p>
             <a:fld id="{B6F15528-21DE-4FAA-801E-634DDDAF4B2B}" type="slidenum">
-              <a:t>#</a:t>
+              <a:t>‹#›</a:t>
             </a:fld>
+            <a:endParaRPr/>
           </a:p>
         </p:txBody>
       </p:sp>
@@ -229,7 +349,7 @@
 </file>
 
 <file path=ppt/slideLayouts/slideLayout2.xml><?xml version="1.0" encoding="utf-8"?>
-<p:sldLayout xmlns:a="http://schemas.openxmlformats.org/drawingml/2006/main" xmlns:r="http://schemas.openxmlformats.org/officeDocument/2006/relationships" xmlns:p="http://schemas.openxmlformats.org/presentationml/2006/main" preserve="1" type="obj">
+<p:sldLayout xmlns:a="http://schemas.openxmlformats.org/drawingml/2006/main" xmlns:r="http://schemas.openxmlformats.org/officeDocument/2006/relationships" xmlns:p="http://schemas.openxmlformats.org/presentationml/2006/main" type="obj" preserve="1">
   <p:cSld name="Title and Content">
     <p:spTree>
       <p:nvGrpSpPr>
@@ -269,7 +389,9 @@
               </a:defRPr>
             </a:lvl1pPr>
           </a:lstStyle>
-          <a:p/>
+          <a:p>
+            <a:endParaRPr/>
+          </a:p>
         </p:txBody>
       </p:sp>
       <p:sp>
@@ -294,7 +416,9 @@
               </a:defRPr>
             </a:lvl1pPr>
           </a:lstStyle>
-          <a:p/>
+          <a:p>
+            <a:endParaRPr/>
+          </a:p>
         </p:txBody>
       </p:sp>
       <p:sp>
@@ -304,7 +428,7 @@
             <a:spLocks noGrp="1"/>
           </p:cNvSpPr>
           <p:nvPr>
-            <p:ph type="ftr" idx="5" sz="quarter"/>
+            <p:ph type="ftr" sz="quarter" idx="5"/>
           </p:nvPr>
         </p:nvSpPr>
         <p:spPr/>
@@ -321,7 +445,9 @@
               </a:defRPr>
             </a:lvl1pPr>
           </a:lstStyle>
-          <a:p/>
+          <a:p>
+            <a:endParaRPr/>
+          </a:p>
         </p:txBody>
       </p:sp>
       <p:sp>
@@ -331,7 +457,7 @@
             <a:spLocks noGrp="1"/>
           </p:cNvSpPr>
           <p:nvPr>
-            <p:ph type="dt" idx="6" sz="half"/>
+            <p:ph type="dt" sz="half" idx="6"/>
           </p:nvPr>
         </p:nvSpPr>
         <p:spPr/>
@@ -351,7 +477,9 @@
           <a:p>
             <a:fld id="{1D8BD707-D9CF-40AE-B4C6-C98DA3205C09}" type="datetimeFigureOut">
               <a:rPr lang="en-US"/>
+              <a:t>5/15/2024</a:t>
             </a:fld>
+            <a:endParaRPr lang="en-US"/>
           </a:p>
         </p:txBody>
       </p:sp>
@@ -362,7 +490,7 @@
             <a:spLocks noGrp="1"/>
           </p:cNvSpPr>
           <p:nvPr>
-            <p:ph type="sldNum" idx="7" sz="quarter"/>
+            <p:ph type="sldNum" sz="quarter" idx="7"/>
           </p:nvPr>
         </p:nvSpPr>
         <p:spPr/>
@@ -381,8 +509,9 @@
           </a:lstStyle>
           <a:p>
             <a:fld id="{B6F15528-21DE-4FAA-801E-634DDDAF4B2B}" type="slidenum">
-              <a:t>#</a:t>
+              <a:t>‹#›</a:t>
             </a:fld>
+            <a:endParaRPr/>
           </a:p>
         </p:txBody>
       </p:sp>
@@ -395,7 +524,7 @@
 </file>
 
 <file path=ppt/slideLayouts/slideLayout3.xml><?xml version="1.0" encoding="utf-8"?>
-<p:sldLayout xmlns:a="http://schemas.openxmlformats.org/drawingml/2006/main" xmlns:r="http://schemas.openxmlformats.org/officeDocument/2006/relationships" xmlns:p="http://schemas.openxmlformats.org/presentationml/2006/main" preserve="1" type="obj">
+<p:sldLayout xmlns:a="http://schemas.openxmlformats.org/drawingml/2006/main" xmlns:r="http://schemas.openxmlformats.org/officeDocument/2006/relationships" xmlns:p="http://schemas.openxmlformats.org/presentationml/2006/main" type="obj" preserve="1">
   <p:cSld name="Two Content">
     <p:spTree>
       <p:nvGrpSpPr>
@@ -435,7 +564,9 @@
               </a:defRPr>
             </a:lvl1pPr>
           </a:lstStyle>
-          <a:p/>
+          <a:p>
+            <a:endParaRPr/>
+          </a:p>
         </p:txBody>
       </p:sp>
       <p:sp>
@@ -445,7 +576,7 @@
             <a:spLocks noGrp="1"/>
           </p:cNvSpPr>
           <p:nvPr>
-            <p:ph idx="2" sz="half"/>
+            <p:ph sz="half" idx="2"/>
           </p:nvPr>
         </p:nvSpPr>
         <p:spPr>
@@ -466,7 +597,9 @@
               <a:defRPr/>
             </a:lvl1pPr>
           </a:lstStyle>
-          <a:p/>
+          <a:p>
+            <a:endParaRPr/>
+          </a:p>
         </p:txBody>
       </p:sp>
       <p:sp>
@@ -476,7 +609,7 @@
             <a:spLocks noGrp="1"/>
           </p:cNvSpPr>
           <p:nvPr>
-            <p:ph idx="3" sz="half"/>
+            <p:ph sz="half" idx="3"/>
           </p:nvPr>
         </p:nvSpPr>
         <p:spPr>
@@ -497,7 +630,9 @@
               <a:defRPr/>
             </a:lvl1pPr>
           </a:lstStyle>
-          <a:p/>
+          <a:p>
+            <a:endParaRPr/>
+          </a:p>
         </p:txBody>
       </p:sp>
       <p:sp>
@@ -507,7 +642,7 @@
             <a:spLocks noGrp="1"/>
           </p:cNvSpPr>
           <p:nvPr>
-            <p:ph type="ftr" idx="5" sz="quarter"/>
+            <p:ph type="ftr" sz="quarter" idx="5"/>
           </p:nvPr>
         </p:nvSpPr>
         <p:spPr/>
@@ -524,7 +659,9 @@
               </a:defRPr>
             </a:lvl1pPr>
           </a:lstStyle>
-          <a:p/>
+          <a:p>
+            <a:endParaRPr/>
+          </a:p>
         </p:txBody>
       </p:sp>
       <p:sp>
@@ -534,7 +671,7 @@
             <a:spLocks noGrp="1"/>
           </p:cNvSpPr>
           <p:nvPr>
-            <p:ph type="dt" idx="6" sz="half"/>
+            <p:ph type="dt" sz="half" idx="6"/>
           </p:nvPr>
         </p:nvSpPr>
         <p:spPr/>
@@ -554,7 +691,9 @@
           <a:p>
             <a:fld id="{1D8BD707-D9CF-40AE-B4C6-C98DA3205C09}" type="datetimeFigureOut">
               <a:rPr lang="en-US"/>
+              <a:t>5/15/2024</a:t>
             </a:fld>
+            <a:endParaRPr lang="en-US"/>
           </a:p>
         </p:txBody>
       </p:sp>
@@ -565,7 +704,7 @@
             <a:spLocks noGrp="1"/>
           </p:cNvSpPr>
           <p:nvPr>
-            <p:ph type="sldNum" idx="7" sz="quarter"/>
+            <p:ph type="sldNum" sz="quarter" idx="7"/>
           </p:nvPr>
         </p:nvSpPr>
         <p:spPr/>
@@ -584,8 +723,9 @@
           </a:lstStyle>
           <a:p>
             <a:fld id="{B6F15528-21DE-4FAA-801E-634DDDAF4B2B}" type="slidenum">
-              <a:t>#</a:t>
+              <a:t>‹#›</a:t>
             </a:fld>
+            <a:endParaRPr/>
           </a:p>
         </p:txBody>
       </p:sp>
@@ -598,7 +738,7 @@
 </file>
 
 <file path=ppt/slideLayouts/slideLayout4.xml><?xml version="1.0" encoding="utf-8"?>
-<p:sldLayout xmlns:a="http://schemas.openxmlformats.org/drawingml/2006/main" xmlns:r="http://schemas.openxmlformats.org/officeDocument/2006/relationships" xmlns:p="http://schemas.openxmlformats.org/presentationml/2006/main" preserve="1" type="obj">
+<p:sldLayout xmlns:a="http://schemas.openxmlformats.org/drawingml/2006/main" xmlns:r="http://schemas.openxmlformats.org/officeDocument/2006/relationships" xmlns:p="http://schemas.openxmlformats.org/presentationml/2006/main" type="obj" preserve="1">
   <p:cSld name="Title Only">
     <p:spTree>
       <p:nvGrpSpPr>
@@ -638,7 +778,9 @@
               </a:defRPr>
             </a:lvl1pPr>
           </a:lstStyle>
-          <a:p/>
+          <a:p>
+            <a:endParaRPr/>
+          </a:p>
         </p:txBody>
       </p:sp>
       <p:sp>
@@ -648,7 +790,7 @@
             <a:spLocks noGrp="1"/>
           </p:cNvSpPr>
           <p:nvPr>
-            <p:ph type="ftr" idx="5" sz="quarter"/>
+            <p:ph type="ftr" sz="quarter" idx="5"/>
           </p:nvPr>
         </p:nvSpPr>
         <p:spPr/>
@@ -665,7 +807,9 @@
               </a:defRPr>
             </a:lvl1pPr>
           </a:lstStyle>
-          <a:p/>
+          <a:p>
+            <a:endParaRPr/>
+          </a:p>
         </p:txBody>
       </p:sp>
       <p:sp>
@@ -675,7 +819,7 @@
             <a:spLocks noGrp="1"/>
           </p:cNvSpPr>
           <p:nvPr>
-            <p:ph type="dt" idx="6" sz="half"/>
+            <p:ph type="dt" sz="half" idx="6"/>
           </p:nvPr>
         </p:nvSpPr>
         <p:spPr/>
@@ -695,7 +839,9 @@
           <a:p>
             <a:fld id="{1D8BD707-D9CF-40AE-B4C6-C98DA3205C09}" type="datetimeFigureOut">
               <a:rPr lang="en-US"/>
+              <a:t>5/15/2024</a:t>
             </a:fld>
+            <a:endParaRPr lang="en-US"/>
           </a:p>
         </p:txBody>
       </p:sp>
@@ -706,7 +852,7 @@
             <a:spLocks noGrp="1"/>
           </p:cNvSpPr>
           <p:nvPr>
-            <p:ph type="sldNum" idx="7" sz="quarter"/>
+            <p:ph type="sldNum" sz="quarter" idx="7"/>
           </p:nvPr>
         </p:nvSpPr>
         <p:spPr/>
@@ -725,8 +871,9 @@
           </a:lstStyle>
           <a:p>
             <a:fld id="{B6F15528-21DE-4FAA-801E-634DDDAF4B2B}" type="slidenum">
-              <a:t>#</a:t>
+              <a:t>‹#›</a:t>
             </a:fld>
+            <a:endParaRPr/>
           </a:p>
         </p:txBody>
       </p:sp>
@@ -739,7 +886,7 @@
 </file>
 
 <file path=ppt/slideLayouts/slideLayout5.xml><?xml version="1.0" encoding="utf-8"?>
-<p:sldLayout xmlns:a="http://schemas.openxmlformats.org/drawingml/2006/main" xmlns:r="http://schemas.openxmlformats.org/officeDocument/2006/relationships" xmlns:p="http://schemas.openxmlformats.org/presentationml/2006/main" preserve="1" type="obj">
+<p:sldLayout xmlns:a="http://schemas.openxmlformats.org/drawingml/2006/main" xmlns:r="http://schemas.openxmlformats.org/officeDocument/2006/relationships" xmlns:p="http://schemas.openxmlformats.org/presentationml/2006/main" type="obj" preserve="1">
   <p:cSld name="Blank">
     <p:spTree>
       <p:nvGrpSpPr>
@@ -762,7 +909,7 @@
             <a:spLocks noGrp="1"/>
           </p:cNvSpPr>
           <p:nvPr>
-            <p:ph type="ftr" idx="5" sz="quarter"/>
+            <p:ph type="ftr" sz="quarter" idx="5"/>
           </p:nvPr>
         </p:nvSpPr>
         <p:spPr/>
@@ -779,7 +926,9 @@
               </a:defRPr>
             </a:lvl1pPr>
           </a:lstStyle>
-          <a:p/>
+          <a:p>
+            <a:endParaRPr/>
+          </a:p>
         </p:txBody>
       </p:sp>
       <p:sp>
@@ -789,7 +938,7 @@
             <a:spLocks noGrp="1"/>
           </p:cNvSpPr>
           <p:nvPr>
-            <p:ph type="dt" idx="6" sz="half"/>
+            <p:ph type="dt" sz="half" idx="6"/>
           </p:nvPr>
         </p:nvSpPr>
         <p:spPr/>
@@ -809,7 +958,9 @@
           <a:p>
             <a:fld id="{1D8BD707-D9CF-40AE-B4C6-C98DA3205C09}" type="datetimeFigureOut">
               <a:rPr lang="en-US"/>
+              <a:t>5/15/2024</a:t>
             </a:fld>
+            <a:endParaRPr lang="en-US"/>
           </a:p>
         </p:txBody>
       </p:sp>
@@ -820,7 +971,7 @@
             <a:spLocks noGrp="1"/>
           </p:cNvSpPr>
           <p:nvPr>
-            <p:ph type="sldNum" idx="7" sz="quarter"/>
+            <p:ph type="sldNum" sz="quarter" idx="7"/>
           </p:nvPr>
         </p:nvSpPr>
         <p:spPr/>
@@ -839,8 +990,9 @@
           </a:lstStyle>
           <a:p>
             <a:fld id="{B6F15528-21DE-4FAA-801E-634DDDAF4B2B}" type="slidenum">
-              <a:t>#</a:t>
+              <a:t>‹#›</a:t>
             </a:fld>
+            <a:endParaRPr/>
           </a:p>
         </p:txBody>
       </p:sp>
@@ -911,7 +1063,9 @@
               </a:defRPr>
             </a:lvl1pPr>
           </a:lstStyle>
-          <a:p/>
+          <a:p>
+            <a:endParaRPr/>
+          </a:p>
         </p:txBody>
       </p:sp>
       <p:sp>
@@ -946,7 +1100,9 @@
               </a:defRPr>
             </a:lvl1pPr>
           </a:lstStyle>
-          <a:p/>
+          <a:p>
+            <a:endParaRPr/>
+          </a:p>
         </p:txBody>
       </p:sp>
       <p:sp>
@@ -956,7 +1112,7 @@
             <a:spLocks noGrp="1"/>
           </p:cNvSpPr>
           <p:nvPr>
-            <p:ph type="ftr" idx="5" sz="quarter"/>
+            <p:ph type="ftr" sz="quarter" idx="5"/>
           </p:nvPr>
         </p:nvSpPr>
         <p:spPr>
@@ -983,7 +1139,9 @@
               </a:defRPr>
             </a:lvl1pPr>
           </a:lstStyle>
-          <a:p/>
+          <a:p>
+            <a:endParaRPr/>
+          </a:p>
         </p:txBody>
       </p:sp>
       <p:sp>
@@ -993,7 +1151,7 @@
             <a:spLocks noGrp="1"/>
           </p:cNvSpPr>
           <p:nvPr>
-            <p:ph type="dt" idx="6" sz="half"/>
+            <p:ph type="dt" sz="half" idx="6"/>
           </p:nvPr>
         </p:nvSpPr>
         <p:spPr>
@@ -1023,7 +1181,9 @@
           <a:p>
             <a:fld id="{1D8BD707-D9CF-40AE-B4C6-C98DA3205C09}" type="datetimeFigureOut">
               <a:rPr lang="en-US"/>
+              <a:t>5/15/2024</a:t>
             </a:fld>
+            <a:endParaRPr lang="en-US"/>
           </a:p>
         </p:txBody>
       </p:sp>
@@ -1034,7 +1194,7 @@
             <a:spLocks noGrp="1"/>
           </p:cNvSpPr>
           <p:nvPr>
-            <p:ph type="sldNum" idx="7" sz="quarter"/>
+            <p:ph type="sldNum" sz="quarter" idx="7"/>
           </p:nvPr>
         </p:nvSpPr>
         <p:spPr>
@@ -1063,14 +1223,15 @@
           </a:lstStyle>
           <a:p>
             <a:fld id="{B6F15528-21DE-4FAA-801E-634DDDAF4B2B}" type="slidenum">
-              <a:t>#</a:t>
+              <a:t>‹#›</a:t>
             </a:fld>
+            <a:endParaRPr/>
           </a:p>
         </p:txBody>
       </p:sp>
     </p:spTree>
   </p:cSld>
-  <p:clrMap folHlink="folHlink" hlink="hlink" accent1="accent1" accent2="accent2" accent3="accent3" accent4="accent4" accent5="accent5" accent6="accent6" tx2="dk2" bg2="lt2" tx1="dk1" bg1="lt1"/>
+  <p:clrMap bg1="lt1" tx1="dk1" bg2="lt2" tx2="dk2" accent1="accent1" accent2="accent2" accent3="accent3" accent4="accent4" accent5="accent5" accent6="accent6" hlink="hlink" folHlink="folHlink"/>
   <p:sldLayoutIdLst>
     <p:sldLayoutId id="2147483661" r:id="rId1"/>
     <p:sldLayoutId id="2147483662" r:id="rId2"/>
@@ -1254,10 +1415,12 @@
             <a:off x="4203953" y="2836545"/>
             <a:ext cx="3783965" cy="696595"/>
           </a:xfrm>
-          <a:prstGeom prst="rect"/>
+          <a:prstGeom prst="rect">
+            <a:avLst/>
+          </a:prstGeom>
         </p:spPr>
         <p:txBody>
-          <a:bodyPr wrap="square" lIns="0" tIns="13335" rIns="0" bIns="0" rtlCol="0" vert="horz">
+          <a:bodyPr vert="horz" wrap="square" lIns="0" tIns="13335" rIns="0" bIns="0" rtlCol="0">
             <a:spAutoFit/>
           </a:bodyPr>
           <a:lstStyle/>
@@ -1271,15 +1434,15 @@
               </a:spcBef>
             </a:pPr>
             <a:r>
-              <a:rPr dirty="0" spc="-15"/>
+              <a:rPr spc="-15" dirty="0"/>
               <a:t>Neural</a:t>
             </a:r>
             <a:r>
-              <a:rPr dirty="0" spc="-65"/>
+              <a:rPr spc="-65" dirty="0"/>
               <a:t> </a:t>
             </a:r>
             <a:r>
-              <a:rPr dirty="0" spc="-20"/>
+              <a:rPr spc="-20" dirty="0"/>
               <a:t>Networks</a:t>
             </a:r>
           </a:p>
@@ -1795,10 +1958,12 @@
             <a:off x="916939" y="609676"/>
             <a:ext cx="1720214" cy="697230"/>
           </a:xfrm>
-          <a:prstGeom prst="rect"/>
+          <a:prstGeom prst="rect">
+            <a:avLst/>
+          </a:prstGeom>
         </p:spPr>
         <p:txBody>
-          <a:bodyPr wrap="square" lIns="0" tIns="13335" rIns="0" bIns="0" rtlCol="0" vert="horz">
+          <a:bodyPr vert="horz" wrap="square" lIns="0" tIns="13335" rIns="0" bIns="0" rtlCol="0">
             <a:spAutoFit/>
           </a:bodyPr>
           <a:lstStyle/>
@@ -1812,7 +1977,7 @@
               </a:spcBef>
             </a:pPr>
             <a:r>
-              <a:rPr dirty="0" spc="-10"/>
+              <a:rPr spc="-10" dirty="0"/>
               <a:t>Agenda</a:t>
             </a:r>
           </a:p>
@@ -1834,7 +1999,7 @@
           </a:prstGeom>
         </p:spPr>
         <p:txBody>
-          <a:bodyPr wrap="square" lIns="0" tIns="13335" rIns="0" bIns="0" rtlCol="0" vert="horz">
+          <a:bodyPr vert="horz" wrap="square" lIns="0" tIns="13335" rIns="0" bIns="0" rtlCol="0">
             <a:spAutoFit/>
           </a:bodyPr>
           <a:lstStyle/>
@@ -1853,42 +2018,42 @@
               </a:tabLst>
             </a:pPr>
             <a:r>
-              <a:rPr dirty="0" sz="2600">
+              <a:rPr sz="2600" dirty="0">
                 <a:latin typeface="Calibri"/>
                 <a:cs typeface="Calibri"/>
               </a:rPr>
               <a:t>Building</a:t>
             </a:r>
             <a:r>
-              <a:rPr dirty="0" sz="2600" spc="-25">
+              <a:rPr sz="2600" spc="-25" dirty="0">
                 <a:latin typeface="Calibri"/>
                 <a:cs typeface="Calibri"/>
               </a:rPr>
               <a:t> </a:t>
             </a:r>
             <a:r>
-              <a:rPr dirty="0" sz="2600" spc="-10">
+              <a:rPr sz="2600" spc="-10" dirty="0">
                 <a:latin typeface="Calibri"/>
                 <a:cs typeface="Calibri"/>
               </a:rPr>
               <a:t>Neural Networks</a:t>
             </a:r>
             <a:r>
-              <a:rPr dirty="0" sz="2600" spc="-25">
+              <a:rPr sz="2600" spc="-25" dirty="0">
                 <a:latin typeface="Calibri"/>
                 <a:cs typeface="Calibri"/>
               </a:rPr>
               <a:t> </a:t>
             </a:r>
             <a:r>
-              <a:rPr dirty="0" sz="2600">
+              <a:rPr sz="2600" dirty="0">
                 <a:latin typeface="Calibri"/>
                 <a:cs typeface="Calibri"/>
               </a:rPr>
               <a:t>with </a:t>
             </a:r>
             <a:r>
-              <a:rPr dirty="0" sz="2600" spc="-15">
+              <a:rPr sz="2600" spc="-15" dirty="0">
                 <a:latin typeface="Calibri"/>
                 <a:cs typeface="Calibri"/>
               </a:rPr>
@@ -1900,7 +2065,7 @@
             </a:endParaRPr>
           </a:p>
           <a:p>
-            <a:pPr lvl="1" marL="698500" indent="-229235">
+            <a:pPr marL="698500" lvl="1" indent="-229235">
               <a:lnSpc>
                 <a:spcPts val="2620"/>
               </a:lnSpc>
@@ -1912,42 +2077,42 @@
               </a:tabLst>
             </a:pPr>
             <a:r>
-              <a:rPr dirty="0" sz="2200" spc="-10">
+              <a:rPr sz="2200" spc="-10" dirty="0">
                 <a:latin typeface="Calibri"/>
                 <a:cs typeface="Calibri"/>
               </a:rPr>
               <a:t>Single</a:t>
             </a:r>
             <a:r>
-              <a:rPr dirty="0" sz="2200" spc="-15">
+              <a:rPr sz="2200" spc="-15" dirty="0">
                 <a:latin typeface="Calibri"/>
                 <a:cs typeface="Calibri"/>
               </a:rPr>
               <a:t> Layer</a:t>
             </a:r>
             <a:r>
-              <a:rPr dirty="0" sz="2200" spc="-10">
+              <a:rPr sz="2200" spc="-10" dirty="0">
                 <a:latin typeface="Calibri"/>
                 <a:cs typeface="Calibri"/>
               </a:rPr>
               <a:t> </a:t>
             </a:r>
             <a:r>
-              <a:rPr dirty="0" sz="2200" spc="-15">
+              <a:rPr sz="2200" spc="-15" dirty="0">
                 <a:latin typeface="Calibri"/>
                 <a:cs typeface="Calibri"/>
               </a:rPr>
               <a:t>Neural</a:t>
             </a:r>
             <a:r>
-              <a:rPr dirty="0" sz="2200" spc="-5">
+              <a:rPr sz="2200" spc="-5" dirty="0">
                 <a:latin typeface="Calibri"/>
                 <a:cs typeface="Calibri"/>
               </a:rPr>
               <a:t> </a:t>
             </a:r>
             <a:r>
-              <a:rPr dirty="0" sz="2200" spc="-10">
+              <a:rPr sz="2200" spc="-10" dirty="0">
                 <a:latin typeface="Calibri"/>
                 <a:cs typeface="Calibri"/>
               </a:rPr>
@@ -1959,7 +2124,7 @@
             </a:endParaRPr>
           </a:p>
           <a:p>
-            <a:pPr lvl="1" marL="698500" indent="-229235">
+            <a:pPr marL="698500" lvl="1" indent="-229235">
               <a:lnSpc>
                 <a:spcPts val="2620"/>
               </a:lnSpc>
@@ -1971,28 +2136,28 @@
               </a:tabLst>
             </a:pPr>
             <a:r>
-              <a:rPr dirty="0" sz="2200" spc="-5">
+              <a:rPr sz="2200" spc="-5" dirty="0">
                 <a:latin typeface="Calibri"/>
                 <a:cs typeface="Calibri"/>
               </a:rPr>
               <a:t>Deep</a:t>
             </a:r>
             <a:r>
-              <a:rPr dirty="0" sz="2200" spc="-25">
+              <a:rPr sz="2200" spc="-25" dirty="0">
                 <a:latin typeface="Calibri"/>
                 <a:cs typeface="Calibri"/>
               </a:rPr>
               <a:t> </a:t>
             </a:r>
             <a:r>
-              <a:rPr dirty="0" sz="2200" spc="-10">
+              <a:rPr sz="2200" spc="-10" dirty="0">
                 <a:latin typeface="Calibri"/>
                 <a:cs typeface="Calibri"/>
               </a:rPr>
               <a:t>Neural</a:t>
             </a:r>
             <a:r>
-              <a:rPr dirty="0" sz="2200" spc="-15">
+              <a:rPr sz="2200" spc="-15" dirty="0">
                 <a:latin typeface="Calibri"/>
                 <a:cs typeface="Calibri"/>
               </a:rPr>
@@ -2018,35 +2183,35 @@
               </a:tabLst>
             </a:pPr>
             <a:r>
-              <a:rPr dirty="0" sz="2600">
+              <a:rPr sz="2600" dirty="0">
                 <a:latin typeface="Calibri"/>
                 <a:cs typeface="Calibri"/>
               </a:rPr>
               <a:t>Applying</a:t>
             </a:r>
             <a:r>
-              <a:rPr dirty="0" sz="2600" spc="-35">
+              <a:rPr sz="2600" spc="-35" dirty="0">
                 <a:latin typeface="Calibri"/>
                 <a:cs typeface="Calibri"/>
               </a:rPr>
               <a:t> </a:t>
             </a:r>
             <a:r>
-              <a:rPr dirty="0" sz="2600" spc="-10">
+              <a:rPr sz="2600" spc="-10" dirty="0">
                 <a:latin typeface="Calibri"/>
                 <a:cs typeface="Calibri"/>
               </a:rPr>
               <a:t>Neural</a:t>
             </a:r>
             <a:r>
-              <a:rPr dirty="0" sz="2600" spc="-35">
+              <a:rPr sz="2600" spc="-35" dirty="0">
                 <a:latin typeface="Calibri"/>
                 <a:cs typeface="Calibri"/>
               </a:rPr>
               <a:t> </a:t>
             </a:r>
             <a:r>
-              <a:rPr dirty="0" sz="2600" spc="-10">
+              <a:rPr sz="2600" spc="-10" dirty="0">
                 <a:latin typeface="Calibri"/>
                 <a:cs typeface="Calibri"/>
               </a:rPr>
@@ -2072,63 +2237,63 @@
               </a:tabLst>
             </a:pPr>
             <a:r>
-              <a:rPr dirty="0" sz="2600">
+              <a:rPr sz="2600" dirty="0">
                 <a:latin typeface="Calibri"/>
                 <a:cs typeface="Calibri"/>
               </a:rPr>
               <a:t>Quantifying</a:t>
             </a:r>
             <a:r>
-              <a:rPr dirty="0" sz="2600" spc="-45">
+              <a:rPr sz="2600" spc="-45" dirty="0">
                 <a:latin typeface="Calibri"/>
                 <a:cs typeface="Calibri"/>
               </a:rPr>
               <a:t> </a:t>
             </a:r>
             <a:r>
-              <a:rPr dirty="0" sz="2600" spc="-5">
+              <a:rPr sz="2600" spc="-5" dirty="0">
                 <a:latin typeface="Calibri"/>
                 <a:cs typeface="Calibri"/>
               </a:rPr>
               <a:t>Loss</a:t>
             </a:r>
             <a:r>
-              <a:rPr dirty="0" sz="2600" spc="-30">
+              <a:rPr sz="2600" spc="-30" dirty="0">
                 <a:latin typeface="Calibri"/>
                 <a:cs typeface="Calibri"/>
               </a:rPr>
               <a:t> </a:t>
             </a:r>
             <a:r>
-              <a:rPr dirty="0" sz="2600">
+              <a:rPr sz="2600" dirty="0">
                 <a:latin typeface="Calibri"/>
                 <a:cs typeface="Calibri"/>
               </a:rPr>
               <a:t>and</a:t>
             </a:r>
             <a:r>
-              <a:rPr dirty="0" sz="2600" spc="-20">
+              <a:rPr sz="2600" spc="-20" dirty="0">
                 <a:latin typeface="Calibri"/>
                 <a:cs typeface="Calibri"/>
               </a:rPr>
               <a:t> </a:t>
             </a:r>
             <a:r>
-              <a:rPr dirty="0" sz="2600" spc="-5">
+              <a:rPr sz="2600" spc="-5" dirty="0">
                 <a:latin typeface="Calibri"/>
                 <a:cs typeface="Calibri"/>
               </a:rPr>
               <a:t>Empirical</a:t>
             </a:r>
             <a:r>
-              <a:rPr dirty="0" sz="2600" spc="-10">
+              <a:rPr sz="2600" spc="-10" dirty="0">
                 <a:latin typeface="Calibri"/>
                 <a:cs typeface="Calibri"/>
               </a:rPr>
               <a:t> </a:t>
             </a:r>
             <a:r>
-              <a:rPr dirty="0" sz="2600" spc="-5">
+              <a:rPr sz="2600" spc="-5" dirty="0">
                 <a:latin typeface="Calibri"/>
                 <a:cs typeface="Calibri"/>
               </a:rPr>
@@ -2154,105 +2319,105 @@
               </a:tabLst>
             </a:pPr>
             <a:r>
-              <a:rPr dirty="0" sz="2600">
+              <a:rPr sz="2600" dirty="0">
                 <a:latin typeface="Calibri"/>
                 <a:cs typeface="Calibri"/>
               </a:rPr>
               <a:t>Binary</a:t>
             </a:r>
             <a:r>
-              <a:rPr dirty="0" sz="2600" spc="-10">
+              <a:rPr sz="2600" spc="-10" dirty="0">
                 <a:latin typeface="Calibri"/>
                 <a:cs typeface="Calibri"/>
               </a:rPr>
               <a:t> Cross </a:t>
             </a:r>
             <a:r>
-              <a:rPr dirty="0" sz="2600" spc="-15">
+              <a:rPr sz="2600" spc="-15" dirty="0">
                 <a:latin typeface="Calibri"/>
                 <a:cs typeface="Calibri"/>
               </a:rPr>
               <a:t>Entropy</a:t>
             </a:r>
             <a:r>
-              <a:rPr dirty="0" sz="2600" spc="-10">
+              <a:rPr sz="2600" spc="-10" dirty="0">
                 <a:latin typeface="Calibri"/>
                 <a:cs typeface="Calibri"/>
               </a:rPr>
               <a:t> </a:t>
             </a:r>
             <a:r>
-              <a:rPr dirty="0" sz="2600" spc="-5">
+              <a:rPr sz="2600" spc="-5" dirty="0">
                 <a:latin typeface="Calibri"/>
                 <a:cs typeface="Calibri"/>
               </a:rPr>
               <a:t>Loss</a:t>
             </a:r>
             <a:r>
-              <a:rPr dirty="0" sz="2600" spc="-15">
+              <a:rPr sz="2600" spc="-15" dirty="0">
                 <a:latin typeface="Calibri"/>
                 <a:cs typeface="Calibri"/>
               </a:rPr>
               <a:t> </a:t>
             </a:r>
             <a:r>
-              <a:rPr dirty="0" sz="2600">
+              <a:rPr sz="2600" dirty="0">
                 <a:latin typeface="Calibri"/>
                 <a:cs typeface="Calibri"/>
               </a:rPr>
               <a:t>and</a:t>
             </a:r>
             <a:r>
-              <a:rPr dirty="0" sz="2600" spc="-5">
+              <a:rPr sz="2600" spc="-5" dirty="0">
                 <a:latin typeface="Calibri"/>
                 <a:cs typeface="Calibri"/>
               </a:rPr>
               <a:t> </a:t>
             </a:r>
             <a:r>
-              <a:rPr dirty="0" sz="2600">
+              <a:rPr sz="2600" dirty="0">
                 <a:latin typeface="Calibri"/>
                 <a:cs typeface="Calibri"/>
               </a:rPr>
               <a:t>Mean</a:t>
             </a:r>
             <a:r>
-              <a:rPr dirty="0" sz="2600" spc="5">
+              <a:rPr sz="2600" spc="5" dirty="0">
                 <a:latin typeface="Calibri"/>
                 <a:cs typeface="Calibri"/>
               </a:rPr>
               <a:t> </a:t>
             </a:r>
             <a:r>
-              <a:rPr dirty="0" sz="2600" spc="-10">
+              <a:rPr sz="2600" spc="-10" dirty="0">
                 <a:latin typeface="Calibri"/>
                 <a:cs typeface="Calibri"/>
               </a:rPr>
               <a:t>Squared</a:t>
             </a:r>
             <a:r>
-              <a:rPr dirty="0" sz="2600" spc="-15">
+              <a:rPr sz="2600" spc="-15" dirty="0">
                 <a:latin typeface="Calibri"/>
                 <a:cs typeface="Calibri"/>
               </a:rPr>
               <a:t> </a:t>
             </a:r>
             <a:r>
-              <a:rPr dirty="0" sz="2600" spc="-10">
+              <a:rPr sz="2600" spc="-10" dirty="0">
                 <a:latin typeface="Calibri"/>
                 <a:cs typeface="Calibri"/>
               </a:rPr>
               <a:t>Error</a:t>
             </a:r>
             <a:r>
-              <a:rPr dirty="0" sz="2600">
+              <a:rPr sz="2600" dirty="0">
                 <a:latin typeface="Calibri"/>
                 <a:cs typeface="Calibri"/>
               </a:rPr>
               <a:t> </a:t>
             </a:r>
             <a:r>
-              <a:rPr dirty="0" sz="2600" spc="-5">
+              <a:rPr sz="2600" spc="-5" dirty="0">
                 <a:latin typeface="Calibri"/>
                 <a:cs typeface="Calibri"/>
               </a:rPr>
@@ -2278,35 +2443,35 @@
               </a:tabLst>
             </a:pPr>
             <a:r>
-              <a:rPr dirty="0" sz="2600" spc="-25">
+              <a:rPr sz="2600" spc="-25" dirty="0">
                 <a:latin typeface="Calibri"/>
                 <a:cs typeface="Calibri"/>
               </a:rPr>
               <a:t>Training</a:t>
             </a:r>
             <a:r>
-              <a:rPr dirty="0" sz="2600" spc="-40">
+              <a:rPr sz="2600" spc="-40" dirty="0">
                 <a:latin typeface="Calibri"/>
                 <a:cs typeface="Calibri"/>
               </a:rPr>
               <a:t> </a:t>
             </a:r>
             <a:r>
-              <a:rPr dirty="0" sz="2600" spc="-10">
+              <a:rPr sz="2600" spc="-10" dirty="0">
                 <a:latin typeface="Calibri"/>
                 <a:cs typeface="Calibri"/>
               </a:rPr>
               <a:t>Neural</a:t>
             </a:r>
             <a:r>
-              <a:rPr dirty="0" sz="2600" spc="-40">
+              <a:rPr sz="2600" spc="-40" dirty="0">
                 <a:latin typeface="Calibri"/>
                 <a:cs typeface="Calibri"/>
               </a:rPr>
               <a:t> </a:t>
             </a:r>
             <a:r>
-              <a:rPr dirty="0" sz="2600" spc="-10">
+              <a:rPr sz="2600" spc="-10" dirty="0">
                 <a:latin typeface="Calibri"/>
                 <a:cs typeface="Calibri"/>
               </a:rPr>
@@ -2332,21 +2497,21 @@
               </a:tabLst>
             </a:pPr>
             <a:r>
-              <a:rPr dirty="0" sz="2600" spc="-5">
+              <a:rPr sz="2600" spc="-5" dirty="0">
                 <a:latin typeface="Calibri"/>
                 <a:cs typeface="Calibri"/>
               </a:rPr>
               <a:t>Loss</a:t>
             </a:r>
             <a:r>
-              <a:rPr dirty="0" sz="2600" spc="-45">
+              <a:rPr sz="2600" spc="-45" dirty="0">
                 <a:latin typeface="Calibri"/>
                 <a:cs typeface="Calibri"/>
               </a:rPr>
               <a:t> </a:t>
             </a:r>
             <a:r>
-              <a:rPr dirty="0" sz="2600" spc="-10">
+              <a:rPr sz="2600" spc="-10" dirty="0">
                 <a:latin typeface="Calibri"/>
                 <a:cs typeface="Calibri"/>
               </a:rPr>
@@ -2372,21 +2537,21 @@
               </a:tabLst>
             </a:pPr>
             <a:r>
-              <a:rPr dirty="0" sz="2600" spc="-10">
+              <a:rPr sz="2600" spc="-10" dirty="0">
                 <a:latin typeface="Calibri"/>
                 <a:cs typeface="Calibri"/>
               </a:rPr>
               <a:t>Gradient</a:t>
             </a:r>
             <a:r>
-              <a:rPr dirty="0" sz="2600" spc="-60">
+              <a:rPr sz="2600" spc="-60" dirty="0">
                 <a:latin typeface="Calibri"/>
                 <a:cs typeface="Calibri"/>
               </a:rPr>
               <a:t> </a:t>
             </a:r>
             <a:r>
-              <a:rPr dirty="0" sz="2600" spc="-5">
+              <a:rPr sz="2600" spc="-5" dirty="0">
                 <a:latin typeface="Calibri"/>
                 <a:cs typeface="Calibri"/>
               </a:rPr>
@@ -2412,7 +2577,7 @@
               </a:tabLst>
             </a:pPr>
             <a:r>
-              <a:rPr dirty="0" sz="2600" spc="-10">
+              <a:rPr sz="2600" spc="-10" dirty="0">
                 <a:latin typeface="Calibri"/>
                 <a:cs typeface="Calibri"/>
               </a:rPr>
@@ -2464,7 +2629,7 @@
         </p:blipFill>
         <p:spPr>
           <a:xfrm>
-            <a:off x="0" y="210311"/>
+            <a:off x="0" y="76200"/>
             <a:ext cx="12191999" cy="6437375"/>
           </a:xfrm>
           <a:prstGeom prst="rect">
@@ -3546,10 +3711,12 @@
             <a:off x="5197855" y="3011246"/>
             <a:ext cx="1779270" cy="697230"/>
           </a:xfrm>
-          <a:prstGeom prst="rect"/>
+          <a:prstGeom prst="rect">
+            <a:avLst/>
+          </a:prstGeom>
         </p:spPr>
         <p:txBody>
-          <a:bodyPr wrap="square" lIns="0" tIns="13335" rIns="0" bIns="0" rtlCol="0" vert="horz">
+          <a:bodyPr vert="horz" wrap="square" lIns="0" tIns="13335" rIns="0" bIns="0" rtlCol="0">
             <a:spAutoFit/>
           </a:bodyPr>
           <a:lstStyle/>
@@ -3563,11 +3730,11 @@
               </a:spcBef>
             </a:pPr>
             <a:r>
-              <a:rPr dirty="0" spc="-5"/>
+              <a:rPr spc="-5" dirty="0"/>
               <a:t>Than</a:t>
             </a:r>
             <a:r>
-              <a:rPr dirty="0" spc="-55"/>
+              <a:rPr spc="-55" dirty="0"/>
               <a:t>k</a:t>
             </a:r>
             <a:r>
